--- a/Фракталы_Жюлиа.pptx
+++ b/Фракталы_Жюлиа.pptx
@@ -8,6 +8,9 @@
     <p:sldId id="256" r:id="rId2"/>
     <p:sldId id="257" r:id="rId3"/>
     <p:sldId id="258" r:id="rId4"/>
+    <p:sldId id="259" r:id="rId5"/>
+    <p:sldId id="260" r:id="rId6"/>
+    <p:sldId id="261" r:id="rId7"/>
   </p:sldIdLst>
   <p:sldSz cx="12192000" cy="6858000"/>
   <p:notesSz cx="6858000" cy="9144000"/>
@@ -3406,6 +3409,42 @@
           </a:p>
         </p:txBody>
       </p:sp>
+      <p:pic>
+        <p:nvPicPr>
+          <p:cNvPr id="7" name="Рисунок 6">
+            <a:extLst>
+              <a:ext uri="{FF2B5EF4-FFF2-40B4-BE49-F238E27FC236}">
+                <a16:creationId xmlns:a16="http://schemas.microsoft.com/office/drawing/2014/main" id="{3D7BD835-505E-4CC8-BB36-41979A1B45B9}"/>
+              </a:ext>
+            </a:extLst>
+          </p:cNvPr>
+          <p:cNvPicPr>
+            <a:picLocks noChangeAspect="1"/>
+          </p:cNvPicPr>
+          <p:nvPr/>
+        </p:nvPicPr>
+        <p:blipFill>
+          <a:blip r:embed="rId2">
+            <a:extLst>
+              <a:ext uri="{28A0092B-C50C-407E-A947-70E740481C1C}">
+                <a14:useLocalDpi xmlns:a14="http://schemas.microsoft.com/office/drawing/2010/main" val="0"/>
+              </a:ext>
+            </a:extLst>
+          </a:blip>
+          <a:stretch>
+            <a:fillRect/>
+          </a:stretch>
+        </p:blipFill>
+        <p:spPr>
+          <a:xfrm>
+            <a:off x="10597415" y="5213577"/>
+            <a:ext cx="1594585" cy="1594585"/>
+          </a:xfrm>
+          <a:prstGeom prst="rect">
+            <a:avLst/>
+          </a:prstGeom>
+        </p:spPr>
+      </p:pic>
     </p:spTree>
     <p:extLst>
       <p:ext uri="{BB962C8B-B14F-4D97-AF65-F5344CB8AC3E}">
@@ -3575,6 +3614,42 @@
           </a:p>
         </p:txBody>
       </p:sp>
+      <p:pic>
+        <p:nvPicPr>
+          <p:cNvPr id="6" name="Рисунок 5">
+            <a:extLst>
+              <a:ext uri="{FF2B5EF4-FFF2-40B4-BE49-F238E27FC236}">
+                <a16:creationId xmlns:a16="http://schemas.microsoft.com/office/drawing/2014/main" id="{32A8F05C-5E0A-4600-A4A2-16F55F30941F}"/>
+              </a:ext>
+            </a:extLst>
+          </p:cNvPr>
+          <p:cNvPicPr>
+            <a:picLocks noChangeAspect="1"/>
+          </p:cNvPicPr>
+          <p:nvPr/>
+        </p:nvPicPr>
+        <p:blipFill>
+          <a:blip r:embed="rId2">
+            <a:extLst>
+              <a:ext uri="{28A0092B-C50C-407E-A947-70E740481C1C}">
+                <a14:useLocalDpi xmlns:a14="http://schemas.microsoft.com/office/drawing/2010/main" val="0"/>
+              </a:ext>
+            </a:extLst>
+          </a:blip>
+          <a:stretch>
+            <a:fillRect/>
+          </a:stretch>
+        </p:blipFill>
+        <p:spPr>
+          <a:xfrm>
+            <a:off x="10597415" y="5213577"/>
+            <a:ext cx="1594585" cy="1594585"/>
+          </a:xfrm>
+          <a:prstGeom prst="rect">
+            <a:avLst/>
+          </a:prstGeom>
+        </p:spPr>
+      </p:pic>
     </p:spTree>
     <p:extLst>
       <p:ext uri="{BB962C8B-B14F-4D97-AF65-F5344CB8AC3E}">
@@ -3702,7 +3777,7 @@
         <p:spPr>
           <a:xfrm>
             <a:off x="139567" y="1502688"/>
-            <a:ext cx="11912865" cy="5355312"/>
+            <a:ext cx="11912865" cy="2862322"/>
           </a:xfrm>
           <a:prstGeom prst="rect">
             <a:avLst/>
@@ -3763,67 +3838,650 @@
           <a:p>
             <a:endParaRPr lang="ru-RU" dirty="0"/>
           </a:p>
-          <a:p>
-            <a:r>
-              <a:rPr lang="ru-RU" dirty="0"/>
-              <a:t>Для каждой точки z0 = (x0; y0) экрана (то есть центра соответствующего прямоугольника) нужно в цикле последовательно вычислять zk+1 по </a:t>
-            </a:r>
-            <a:r>
-              <a:rPr lang="ru-RU" dirty="0" err="1"/>
-              <a:t>zk</a:t>
-            </a:r>
-            <a:r>
-              <a:rPr lang="ru-RU" dirty="0"/>
-              <a:t>, используя формулу  (в координатах это выглядит так: , yk+1 = 2xkyk + q). Признаком остановки цикла является выполнение одного из двух условий: либо на k-м шаге точка </a:t>
-            </a:r>
-            <a:r>
-              <a:rPr lang="ru-RU" dirty="0" err="1"/>
-              <a:t>zk</a:t>
-            </a:r>
-            <a:r>
-              <a:rPr lang="ru-RU" dirty="0"/>
-              <a:t> вышла из круга D (то есть верно неравенство , и тогда точку z0 нужно покрасить в цвет номер k, либо оказалось, что k = K + 1, тогда мы считаем, что точка z0 лежит внутри множества Жюлиа, и красим ее в черный.</a:t>
-            </a:r>
-          </a:p>
-          <a:p>
-            <a:endParaRPr lang="ru-RU" dirty="0"/>
-          </a:p>
-          <a:p>
-            <a:r>
-              <a:rPr lang="ru-RU" dirty="0"/>
-              <a:t>В результате работы программы на экран будет выведена квадратная область комплексной плоскости {|</a:t>
-            </a:r>
-            <a:r>
-              <a:rPr lang="ru-RU" dirty="0" err="1"/>
-              <a:t>Re</a:t>
-            </a:r>
-            <a:r>
-              <a:rPr lang="ru-RU" dirty="0"/>
-              <a:t> z| ≤ 1,5, |</a:t>
-            </a:r>
-            <a:r>
-              <a:rPr lang="ru-RU" dirty="0" err="1"/>
-              <a:t>Im</a:t>
-            </a:r>
-            <a:r>
-              <a:rPr lang="ru-RU" dirty="0"/>
-              <a:t> z| ≤ 1,5}, на которой черным цветом будет изображено множество Жюлиа многочлена z2 + c для выбранного параметра c = p + </a:t>
-            </a:r>
-            <a:r>
-              <a:rPr lang="ru-RU" dirty="0" err="1"/>
-              <a:t>iq</a:t>
-            </a:r>
-            <a:r>
-              <a:rPr lang="ru-RU" dirty="0"/>
-              <a:t>, а остальные точки будут раскрашены в K цветов.</a:t>
-            </a:r>
-          </a:p>
-        </p:txBody>
-      </p:sp>
+        </p:txBody>
+      </p:sp>
+      <p:pic>
+        <p:nvPicPr>
+          <p:cNvPr id="7" name="Рисунок 6">
+            <a:extLst>
+              <a:ext uri="{FF2B5EF4-FFF2-40B4-BE49-F238E27FC236}">
+                <a16:creationId xmlns:a16="http://schemas.microsoft.com/office/drawing/2014/main" id="{8B83FFA1-2C9A-476A-A0AD-2B3DADCF55E1}"/>
+              </a:ext>
+            </a:extLst>
+          </p:cNvPr>
+          <p:cNvPicPr>
+            <a:picLocks noChangeAspect="1"/>
+          </p:cNvPicPr>
+          <p:nvPr/>
+        </p:nvPicPr>
+        <p:blipFill>
+          <a:blip r:embed="rId2">
+            <a:extLst>
+              <a:ext uri="{28A0092B-C50C-407E-A947-70E740481C1C}">
+                <a14:useLocalDpi xmlns:a14="http://schemas.microsoft.com/office/drawing/2010/main" val="0"/>
+              </a:ext>
+            </a:extLst>
+          </a:blip>
+          <a:stretch>
+            <a:fillRect/>
+          </a:stretch>
+        </p:blipFill>
+        <p:spPr>
+          <a:xfrm>
+            <a:off x="10597415" y="5213577"/>
+            <a:ext cx="1594585" cy="1594585"/>
+          </a:xfrm>
+          <a:prstGeom prst="rect">
+            <a:avLst/>
+          </a:prstGeom>
+        </p:spPr>
+      </p:pic>
     </p:spTree>
     <p:extLst>
       <p:ext uri="{BB962C8B-B14F-4D97-AF65-F5344CB8AC3E}">
         <p14:creationId xmlns:p14="http://schemas.microsoft.com/office/powerpoint/2010/main" val="3291055978"/>
+      </p:ext>
+    </p:extLst>
+  </p:cSld>
+  <p:clrMapOvr>
+    <a:masterClrMapping/>
+  </p:clrMapOvr>
+</p:sld>
+</file>
+
+<file path=ppt/slides/slide4.xml><?xml version="1.0" encoding="utf-8"?>
+<p:sld xmlns:a="http://schemas.openxmlformats.org/drawingml/2006/main" xmlns:r="http://schemas.openxmlformats.org/officeDocument/2006/relationships" xmlns:p="http://schemas.openxmlformats.org/presentationml/2006/main">
+  <p:cSld>
+    <p:bg>
+      <p:bgPr>
+        <a:solidFill>
+          <a:schemeClr val="bg2">
+            <a:lumMod val="90000"/>
+          </a:schemeClr>
+        </a:solidFill>
+        <a:effectLst/>
+      </p:bgPr>
+    </p:bg>
+    <p:spTree>
+      <p:nvGrpSpPr>
+        <p:cNvPr id="1" name=""/>
+        <p:cNvGrpSpPr/>
+        <p:nvPr/>
+      </p:nvGrpSpPr>
+      <p:grpSpPr>
+        <a:xfrm>
+          <a:off x="0" y="0"/>
+          <a:ext cx="0" cy="0"/>
+          <a:chOff x="0" y="0"/>
+          <a:chExt cx="0" cy="0"/>
+        </a:xfrm>
+      </p:grpSpPr>
+      <p:sp>
+        <p:nvSpPr>
+          <p:cNvPr id="2" name="Заголовок 1">
+            <a:extLst>
+              <a:ext uri="{FF2B5EF4-FFF2-40B4-BE49-F238E27FC236}">
+                <a16:creationId xmlns:a16="http://schemas.microsoft.com/office/drawing/2014/main" id="{3BA1031C-29E0-470E-B91D-D6FCFDC82CB0}"/>
+              </a:ext>
+            </a:extLst>
+          </p:cNvPr>
+          <p:cNvSpPr>
+            <a:spLocks noGrp="1"/>
+          </p:cNvSpPr>
+          <p:nvPr>
+            <p:ph type="ctrTitle"/>
+          </p:nvPr>
+        </p:nvSpPr>
+        <p:spPr>
+          <a:xfrm>
+            <a:off x="1524000" y="447660"/>
+            <a:ext cx="9144000" cy="502251"/>
+          </a:xfrm>
+        </p:spPr>
+        <p:txBody>
+          <a:bodyPr>
+            <a:normAutofit fontScale="90000"/>
+          </a:bodyPr>
+          <a:lstStyle/>
+          <a:p>
+            <a:r>
+              <a:rPr lang="ru-RU" sz="3200" dirty="0">
+                <a:latin typeface="Times New Roman" panose="02020603050405020304" pitchFamily="18" charset="0"/>
+                <a:cs typeface="Times New Roman" panose="02020603050405020304" pitchFamily="18" charset="0"/>
+              </a:rPr>
+              <a:t>Множества Жюлиа</a:t>
+            </a:r>
+          </a:p>
+        </p:txBody>
+      </p:sp>
+      <p:sp>
+        <p:nvSpPr>
+          <p:cNvPr id="4" name="Прямоугольник 3">
+            <a:extLst>
+              <a:ext uri="{FF2B5EF4-FFF2-40B4-BE49-F238E27FC236}">
+                <a16:creationId xmlns:a16="http://schemas.microsoft.com/office/drawing/2014/main" id="{191DFE73-BD1D-4745-ABB2-6C6FF18A97B4}"/>
+              </a:ext>
+            </a:extLst>
+          </p:cNvPr>
+          <p:cNvSpPr/>
+          <p:nvPr/>
+        </p:nvSpPr>
+        <p:spPr>
+          <a:xfrm>
+            <a:off x="5178922" y="1030523"/>
+            <a:ext cx="1834156" cy="369332"/>
+          </a:xfrm>
+          <a:prstGeom prst="rect">
+            <a:avLst/>
+          </a:prstGeom>
+        </p:spPr>
+        <p:txBody>
+          <a:bodyPr wrap="none">
+            <a:spAutoFit/>
+          </a:bodyPr>
+          <a:lstStyle/>
+          <a:p>
+            <a:r>
+              <a:rPr lang="ru-RU" dirty="0"/>
+              <a:t>Как это рисовать</a:t>
+            </a:r>
+          </a:p>
+        </p:txBody>
+      </p:sp>
+      <p:sp>
+        <p:nvSpPr>
+          <p:cNvPr id="3" name="Прямоугольник 2">
+            <a:extLst>
+              <a:ext uri="{FF2B5EF4-FFF2-40B4-BE49-F238E27FC236}">
+                <a16:creationId xmlns:a16="http://schemas.microsoft.com/office/drawing/2014/main" id="{BE8F2BED-02C6-47F8-9580-8C75652BD9D8}"/>
+              </a:ext>
+            </a:extLst>
+          </p:cNvPr>
+          <p:cNvSpPr/>
+          <p:nvPr/>
+        </p:nvSpPr>
+        <p:spPr>
+          <a:xfrm>
+            <a:off x="200526" y="1480467"/>
+            <a:ext cx="11790947" cy="2585323"/>
+          </a:xfrm>
+          <a:prstGeom prst="rect">
+            <a:avLst/>
+          </a:prstGeom>
+        </p:spPr>
+        <p:txBody>
+          <a:bodyPr wrap="square">
+            <a:spAutoFit/>
+          </a:bodyPr>
+          <a:lstStyle/>
+          <a:p>
+            <a:r>
+              <a:rPr lang="ru-RU" dirty="0"/>
+              <a:t>Для каждой точки z0 = (x0; y0) экрана (то есть центра соответствующего прямоугольника) нужно в цикле последовательно вычислять zk+1 по </a:t>
+            </a:r>
+            <a:r>
+              <a:rPr lang="ru-RU" dirty="0" err="1"/>
+              <a:t>zk</a:t>
+            </a:r>
+            <a:r>
+              <a:rPr lang="ru-RU" dirty="0"/>
+              <a:t>, используя формулу  (в координатах это выглядит так: , yk+1 = 2xkyk + q). Признаком остановки цикла является выполнение одного из двух условий: либо на k-м шаге точка </a:t>
+            </a:r>
+            <a:r>
+              <a:rPr lang="ru-RU" dirty="0" err="1"/>
+              <a:t>zk</a:t>
+            </a:r>
+            <a:r>
+              <a:rPr lang="ru-RU" dirty="0"/>
+              <a:t> вышла из круга D (то есть верно неравенство , и тогда точку z0 нужно покрасить в цвет номер k, либо оказалось, что k = K + 1, тогда мы считаем, что точка z0 лежит внутри множества Жюлиа, и красим ее в черный.</a:t>
+            </a:r>
+          </a:p>
+          <a:p>
+            <a:endParaRPr lang="ru-RU" dirty="0"/>
+          </a:p>
+          <a:p>
+            <a:r>
+              <a:rPr lang="ru-RU" dirty="0"/>
+              <a:t>В результате работы программы на экран будет выведена квадратная область комплексной плоскости {|</a:t>
+            </a:r>
+            <a:r>
+              <a:rPr lang="ru-RU" dirty="0" err="1"/>
+              <a:t>Re</a:t>
+            </a:r>
+            <a:r>
+              <a:rPr lang="ru-RU" dirty="0"/>
+              <a:t> z| ≤ 1,5, |</a:t>
+            </a:r>
+            <a:r>
+              <a:rPr lang="ru-RU" dirty="0" err="1"/>
+              <a:t>Im</a:t>
+            </a:r>
+            <a:r>
+              <a:rPr lang="ru-RU" dirty="0"/>
+              <a:t> z| ≤ 1,5}, на которой черным цветом будет изображено множество Жюлиа многочлена z2 + c для выбранного параметра c = p + </a:t>
+            </a:r>
+            <a:r>
+              <a:rPr lang="ru-RU" dirty="0" err="1"/>
+              <a:t>iq</a:t>
+            </a:r>
+            <a:r>
+              <a:rPr lang="ru-RU" dirty="0"/>
+              <a:t>, а остальные точки будут раскрашены в K цветов.</a:t>
+            </a:r>
+          </a:p>
+        </p:txBody>
+      </p:sp>
+      <p:pic>
+        <p:nvPicPr>
+          <p:cNvPr id="7" name="Рисунок 6">
+            <a:extLst>
+              <a:ext uri="{FF2B5EF4-FFF2-40B4-BE49-F238E27FC236}">
+                <a16:creationId xmlns:a16="http://schemas.microsoft.com/office/drawing/2014/main" id="{E97D4985-C7D7-440D-813D-56E4AB47E0C7}"/>
+              </a:ext>
+            </a:extLst>
+          </p:cNvPr>
+          <p:cNvPicPr>
+            <a:picLocks noChangeAspect="1"/>
+          </p:cNvPicPr>
+          <p:nvPr/>
+        </p:nvPicPr>
+        <p:blipFill>
+          <a:blip r:embed="rId2">
+            <a:extLst>
+              <a:ext uri="{28A0092B-C50C-407E-A947-70E740481C1C}">
+                <a14:useLocalDpi xmlns:a14="http://schemas.microsoft.com/office/drawing/2010/main" val="0"/>
+              </a:ext>
+            </a:extLst>
+          </a:blip>
+          <a:stretch>
+            <a:fillRect/>
+          </a:stretch>
+        </p:blipFill>
+        <p:spPr>
+          <a:xfrm>
+            <a:off x="10597415" y="5213577"/>
+            <a:ext cx="1594585" cy="1594585"/>
+          </a:xfrm>
+          <a:prstGeom prst="rect">
+            <a:avLst/>
+          </a:prstGeom>
+        </p:spPr>
+      </p:pic>
+    </p:spTree>
+    <p:extLst>
+      <p:ext uri="{BB962C8B-B14F-4D97-AF65-F5344CB8AC3E}">
+        <p14:creationId xmlns:p14="http://schemas.microsoft.com/office/powerpoint/2010/main" val="2623043126"/>
+      </p:ext>
+    </p:extLst>
+  </p:cSld>
+  <p:clrMapOvr>
+    <a:masterClrMapping/>
+  </p:clrMapOvr>
+</p:sld>
+</file>
+
+<file path=ppt/slides/slide5.xml><?xml version="1.0" encoding="utf-8"?>
+<p:sld xmlns:a="http://schemas.openxmlformats.org/drawingml/2006/main" xmlns:r="http://schemas.openxmlformats.org/officeDocument/2006/relationships" xmlns:p="http://schemas.openxmlformats.org/presentationml/2006/main">
+  <p:cSld>
+    <p:bg>
+      <p:bgPr>
+        <a:solidFill>
+          <a:schemeClr val="bg2">
+            <a:lumMod val="90000"/>
+          </a:schemeClr>
+        </a:solidFill>
+        <a:effectLst/>
+      </p:bgPr>
+    </p:bg>
+    <p:spTree>
+      <p:nvGrpSpPr>
+        <p:cNvPr id="1" name=""/>
+        <p:cNvGrpSpPr/>
+        <p:nvPr/>
+      </p:nvGrpSpPr>
+      <p:grpSpPr>
+        <a:xfrm>
+          <a:off x="0" y="0"/>
+          <a:ext cx="0" cy="0"/>
+          <a:chOff x="0" y="0"/>
+          <a:chExt cx="0" cy="0"/>
+        </a:xfrm>
+      </p:grpSpPr>
+      <p:sp>
+        <p:nvSpPr>
+          <p:cNvPr id="2" name="Заголовок 1">
+            <a:extLst>
+              <a:ext uri="{FF2B5EF4-FFF2-40B4-BE49-F238E27FC236}">
+                <a16:creationId xmlns:a16="http://schemas.microsoft.com/office/drawing/2014/main" id="{3BA1031C-29E0-470E-B91D-D6FCFDC82CB0}"/>
+              </a:ext>
+            </a:extLst>
+          </p:cNvPr>
+          <p:cNvSpPr>
+            <a:spLocks noGrp="1"/>
+          </p:cNvSpPr>
+          <p:nvPr>
+            <p:ph type="ctrTitle"/>
+          </p:nvPr>
+        </p:nvSpPr>
+        <p:spPr>
+          <a:xfrm>
+            <a:off x="1524000" y="447660"/>
+            <a:ext cx="9144000" cy="502251"/>
+          </a:xfrm>
+        </p:spPr>
+        <p:txBody>
+          <a:bodyPr>
+            <a:normAutofit fontScale="90000"/>
+          </a:bodyPr>
+          <a:lstStyle/>
+          <a:p>
+            <a:r>
+              <a:rPr lang="ru-RU" sz="3200" dirty="0">
+                <a:latin typeface="Times New Roman" panose="02020603050405020304" pitchFamily="18" charset="0"/>
+                <a:cs typeface="Times New Roman" panose="02020603050405020304" pitchFamily="18" charset="0"/>
+              </a:rPr>
+              <a:t>Множества Жюлиа</a:t>
+            </a:r>
+          </a:p>
+        </p:txBody>
+      </p:sp>
+      <p:sp>
+        <p:nvSpPr>
+          <p:cNvPr id="4" name="Прямоугольник 3">
+            <a:extLst>
+              <a:ext uri="{FF2B5EF4-FFF2-40B4-BE49-F238E27FC236}">
+                <a16:creationId xmlns:a16="http://schemas.microsoft.com/office/drawing/2014/main" id="{191DFE73-BD1D-4745-ABB2-6C6FF18A97B4}"/>
+              </a:ext>
+            </a:extLst>
+          </p:cNvPr>
+          <p:cNvSpPr/>
+          <p:nvPr/>
+        </p:nvSpPr>
+        <p:spPr>
+          <a:xfrm>
+            <a:off x="5178922" y="1030523"/>
+            <a:ext cx="2218364" cy="369332"/>
+          </a:xfrm>
+          <a:prstGeom prst="rect">
+            <a:avLst/>
+          </a:prstGeom>
+        </p:spPr>
+        <p:txBody>
+          <a:bodyPr wrap="none">
+            <a:spAutoFit/>
+          </a:bodyPr>
+          <a:lstStyle/>
+          <a:p>
+            <a:r>
+              <a:rPr lang="ru-RU" dirty="0"/>
+              <a:t>Фракталы в природе</a:t>
+            </a:r>
+          </a:p>
+        </p:txBody>
+      </p:sp>
+      <p:pic>
+        <p:nvPicPr>
+          <p:cNvPr id="1026" name="Picture 2">
+            <a:extLst>
+              <a:ext uri="{FF2B5EF4-FFF2-40B4-BE49-F238E27FC236}">
+                <a16:creationId xmlns:a16="http://schemas.microsoft.com/office/drawing/2014/main" id="{F9497B90-78AC-4994-9C12-77E5591D160E}"/>
+              </a:ext>
+            </a:extLst>
+          </p:cNvPr>
+          <p:cNvPicPr>
+            <a:picLocks noChangeAspect="1" noChangeArrowheads="1"/>
+          </p:cNvPicPr>
+          <p:nvPr/>
+        </p:nvPicPr>
+        <p:blipFill>
+          <a:blip r:embed="rId2">
+            <a:extLst>
+              <a:ext uri="{28A0092B-C50C-407E-A947-70E740481C1C}">
+                <a14:useLocalDpi xmlns:a14="http://schemas.microsoft.com/office/drawing/2010/main" val="0"/>
+              </a:ext>
+            </a:extLst>
+          </a:blip>
+          <a:srcRect/>
+          <a:stretch>
+            <a:fillRect/>
+          </a:stretch>
+        </p:blipFill>
+        <p:spPr bwMode="auto">
+          <a:xfrm>
+            <a:off x="409575" y="1657349"/>
+            <a:ext cx="11571448" cy="4300690"/>
+          </a:xfrm>
+          <a:prstGeom prst="rect">
+            <a:avLst/>
+          </a:prstGeom>
+          <a:noFill/>
+          <a:extLst>
+            <a:ext uri="{909E8E84-426E-40DD-AFC4-6F175D3DCCD1}">
+              <a14:hiddenFill xmlns:a14="http://schemas.microsoft.com/office/drawing/2010/main">
+                <a:solidFill>
+                  <a:srgbClr val="FFFFFF"/>
+                </a:solidFill>
+              </a14:hiddenFill>
+            </a:ext>
+          </a:extLst>
+        </p:spPr>
+      </p:pic>
+    </p:spTree>
+    <p:extLst>
+      <p:ext uri="{BB962C8B-B14F-4D97-AF65-F5344CB8AC3E}">
+        <p14:creationId xmlns:p14="http://schemas.microsoft.com/office/powerpoint/2010/main" val="2950441765"/>
+      </p:ext>
+    </p:extLst>
+  </p:cSld>
+  <p:clrMapOvr>
+    <a:masterClrMapping/>
+  </p:clrMapOvr>
+</p:sld>
+</file>
+
+<file path=ppt/slides/slide6.xml><?xml version="1.0" encoding="utf-8"?>
+<p:sld xmlns:a="http://schemas.openxmlformats.org/drawingml/2006/main" xmlns:r="http://schemas.openxmlformats.org/officeDocument/2006/relationships" xmlns:p="http://schemas.openxmlformats.org/presentationml/2006/main">
+  <p:cSld>
+    <p:bg>
+      <p:bgPr>
+        <a:solidFill>
+          <a:schemeClr val="bg2">
+            <a:lumMod val="90000"/>
+          </a:schemeClr>
+        </a:solidFill>
+        <a:effectLst/>
+      </p:bgPr>
+    </p:bg>
+    <p:spTree>
+      <p:nvGrpSpPr>
+        <p:cNvPr id="1" name=""/>
+        <p:cNvGrpSpPr/>
+        <p:nvPr/>
+      </p:nvGrpSpPr>
+      <p:grpSpPr>
+        <a:xfrm>
+          <a:off x="0" y="0"/>
+          <a:ext cx="0" cy="0"/>
+          <a:chOff x="0" y="0"/>
+          <a:chExt cx="0" cy="0"/>
+        </a:xfrm>
+      </p:grpSpPr>
+      <p:sp>
+        <p:nvSpPr>
+          <p:cNvPr id="2" name="Заголовок 1">
+            <a:extLst>
+              <a:ext uri="{FF2B5EF4-FFF2-40B4-BE49-F238E27FC236}">
+                <a16:creationId xmlns:a16="http://schemas.microsoft.com/office/drawing/2014/main" id="{3BA1031C-29E0-470E-B91D-D6FCFDC82CB0}"/>
+              </a:ext>
+            </a:extLst>
+          </p:cNvPr>
+          <p:cNvSpPr>
+            <a:spLocks noGrp="1"/>
+          </p:cNvSpPr>
+          <p:nvPr>
+            <p:ph type="ctrTitle"/>
+          </p:nvPr>
+        </p:nvSpPr>
+        <p:spPr>
+          <a:xfrm>
+            <a:off x="1524000" y="447660"/>
+            <a:ext cx="9144000" cy="502251"/>
+          </a:xfrm>
+        </p:spPr>
+        <p:txBody>
+          <a:bodyPr>
+            <a:normAutofit fontScale="90000"/>
+          </a:bodyPr>
+          <a:lstStyle/>
+          <a:p>
+            <a:r>
+              <a:rPr lang="ru-RU" sz="3200" dirty="0">
+                <a:latin typeface="Times New Roman" panose="02020603050405020304" pitchFamily="18" charset="0"/>
+                <a:cs typeface="Times New Roman" panose="02020603050405020304" pitchFamily="18" charset="0"/>
+              </a:rPr>
+              <a:t>Множества Жюлиа</a:t>
+            </a:r>
+          </a:p>
+        </p:txBody>
+      </p:sp>
+      <p:sp>
+        <p:nvSpPr>
+          <p:cNvPr id="4" name="Прямоугольник 3">
+            <a:extLst>
+              <a:ext uri="{FF2B5EF4-FFF2-40B4-BE49-F238E27FC236}">
+                <a16:creationId xmlns:a16="http://schemas.microsoft.com/office/drawing/2014/main" id="{191DFE73-BD1D-4745-ABB2-6C6FF18A97B4}"/>
+              </a:ext>
+            </a:extLst>
+          </p:cNvPr>
+          <p:cNvSpPr/>
+          <p:nvPr/>
+        </p:nvSpPr>
+        <p:spPr>
+          <a:xfrm>
+            <a:off x="5178922" y="1030523"/>
+            <a:ext cx="2124941" cy="369332"/>
+          </a:xfrm>
+          <a:prstGeom prst="rect">
+            <a:avLst/>
+          </a:prstGeom>
+        </p:spPr>
+        <p:txBody>
+          <a:bodyPr wrap="none">
+            <a:spAutoFit/>
+          </a:bodyPr>
+          <a:lstStyle/>
+          <a:p>
+            <a:r>
+              <a:rPr lang="ru-RU" dirty="0"/>
+              <a:t>Вопросы без ответа</a:t>
+            </a:r>
+          </a:p>
+        </p:txBody>
+      </p:sp>
+      <p:sp>
+        <p:nvSpPr>
+          <p:cNvPr id="5" name="Прямоугольник 4">
+            <a:extLst>
+              <a:ext uri="{FF2B5EF4-FFF2-40B4-BE49-F238E27FC236}">
+                <a16:creationId xmlns:a16="http://schemas.microsoft.com/office/drawing/2014/main" id="{00874064-A225-4554-86B7-2B5E829370F1}"/>
+              </a:ext>
+            </a:extLst>
+          </p:cNvPr>
+          <p:cNvSpPr/>
+          <p:nvPr/>
+        </p:nvSpPr>
+        <p:spPr>
+          <a:xfrm>
+            <a:off x="1427958" y="1759600"/>
+            <a:ext cx="9626868" cy="1200329"/>
+          </a:xfrm>
+          <a:prstGeom prst="rect">
+            <a:avLst/>
+          </a:prstGeom>
+        </p:spPr>
+        <p:txBody>
+          <a:bodyPr wrap="square">
+            <a:spAutoFit/>
+          </a:bodyPr>
+          <a:lstStyle/>
+          <a:p>
+            <a:pPr marL="342900" indent="-342900">
+              <a:buAutoNum type="arabicPeriod"/>
+            </a:pPr>
+            <a:r>
+              <a:rPr lang="ru-RU" dirty="0"/>
+              <a:t>Почему столь простые алгоритмы способны генерировать необычно сложные структуры?</a:t>
+            </a:r>
+          </a:p>
+          <a:p>
+            <a:pPr marL="342900" indent="-342900">
+              <a:buAutoNum type="arabicPeriod"/>
+            </a:pPr>
+            <a:r>
+              <a:rPr lang="ru-RU" dirty="0"/>
+              <a:t>Можно ли использовать простые законы для объяснения сложных вещей?</a:t>
+            </a:r>
+          </a:p>
+          <a:p>
+            <a:pPr marL="342900" indent="-342900">
+              <a:buAutoNum type="arabicPeriod"/>
+            </a:pPr>
+            <a:r>
+              <a:rPr lang="ru-RU" dirty="0"/>
+              <a:t> Играет ли самоподобие существенную роль в объяснении хаотических явлений?</a:t>
+            </a:r>
+          </a:p>
+          <a:p>
+            <a:pPr marL="342900" indent="-342900">
+              <a:buAutoNum type="arabicPeriod"/>
+            </a:pPr>
+            <a:r>
+              <a:rPr lang="ru-RU" dirty="0"/>
+              <a:t>Что такое фракталы с точки зрения современной физики?</a:t>
+            </a:r>
+          </a:p>
+        </p:txBody>
+      </p:sp>
+      <p:pic>
+        <p:nvPicPr>
+          <p:cNvPr id="6" name="Рисунок 5">
+            <a:extLst>
+              <a:ext uri="{FF2B5EF4-FFF2-40B4-BE49-F238E27FC236}">
+                <a16:creationId xmlns:a16="http://schemas.microsoft.com/office/drawing/2014/main" id="{92F15FE8-8241-4620-9A89-63828D777C80}"/>
+              </a:ext>
+            </a:extLst>
+          </p:cNvPr>
+          <p:cNvPicPr>
+            <a:picLocks noChangeAspect="1"/>
+          </p:cNvPicPr>
+          <p:nvPr/>
+        </p:nvPicPr>
+        <p:blipFill>
+          <a:blip r:embed="rId2">
+            <a:extLst>
+              <a:ext uri="{28A0092B-C50C-407E-A947-70E740481C1C}">
+                <a14:useLocalDpi xmlns:a14="http://schemas.microsoft.com/office/drawing/2010/main" val="0"/>
+              </a:ext>
+            </a:extLst>
+          </a:blip>
+          <a:stretch>
+            <a:fillRect/>
+          </a:stretch>
+        </p:blipFill>
+        <p:spPr>
+          <a:xfrm>
+            <a:off x="10597415" y="5213577"/>
+            <a:ext cx="1594585" cy="1594585"/>
+          </a:xfrm>
+          <a:prstGeom prst="rect">
+            <a:avLst/>
+          </a:prstGeom>
+        </p:spPr>
+      </p:pic>
+    </p:spTree>
+    <p:extLst>
+      <p:ext uri="{BB962C8B-B14F-4D97-AF65-F5344CB8AC3E}">
+        <p14:creationId xmlns:p14="http://schemas.microsoft.com/office/powerpoint/2010/main" val="722693507"/>
       </p:ext>
     </p:extLst>
   </p:cSld>

--- a/Фракталы_Жюлиа.pptx
+++ b/Фракталы_Жюлиа.pptx
@@ -109,6 +109,11 @@
       </a:defRPr>
     </a:lvl9pPr>
   </p:defaultTextStyle>
+  <p:extLst>
+    <p:ext uri="{EFAFB233-063F-42B5-8137-9DF3F51BA10A}">
+      <p15:sldGuideLst xmlns:p15="http://schemas.microsoft.com/office/powerpoint/2012/main"/>
+    </p:ext>
+  </p:extLst>
 </p:presentation>
 </file>
 
@@ -259,7 +264,7 @@
           <a:p>
             <a:fld id="{34CB72BC-4569-466F-8538-89D284BAEC86}" type="datetimeFigureOut">
               <a:rPr lang="ru-RU" smtClean="0"/>
-              <a:t>22.02.2024</a:t>
+              <a:t>23.02.2024</a:t>
             </a:fld>
             <a:endParaRPr lang="ru-RU"/>
           </a:p>
@@ -457,7 +462,7 @@
           <a:p>
             <a:fld id="{34CB72BC-4569-466F-8538-89D284BAEC86}" type="datetimeFigureOut">
               <a:rPr lang="ru-RU" smtClean="0"/>
-              <a:t>22.02.2024</a:t>
+              <a:t>23.02.2024</a:t>
             </a:fld>
             <a:endParaRPr lang="ru-RU"/>
           </a:p>
@@ -665,7 +670,7 @@
           <a:p>
             <a:fld id="{34CB72BC-4569-466F-8538-89D284BAEC86}" type="datetimeFigureOut">
               <a:rPr lang="ru-RU" smtClean="0"/>
-              <a:t>22.02.2024</a:t>
+              <a:t>23.02.2024</a:t>
             </a:fld>
             <a:endParaRPr lang="ru-RU"/>
           </a:p>
@@ -863,7 +868,7 @@
           <a:p>
             <a:fld id="{34CB72BC-4569-466F-8538-89D284BAEC86}" type="datetimeFigureOut">
               <a:rPr lang="ru-RU" smtClean="0"/>
-              <a:t>22.02.2024</a:t>
+              <a:t>23.02.2024</a:t>
             </a:fld>
             <a:endParaRPr lang="ru-RU"/>
           </a:p>
@@ -1138,7 +1143,7 @@
           <a:p>
             <a:fld id="{34CB72BC-4569-466F-8538-89D284BAEC86}" type="datetimeFigureOut">
               <a:rPr lang="ru-RU" smtClean="0"/>
-              <a:t>22.02.2024</a:t>
+              <a:t>23.02.2024</a:t>
             </a:fld>
             <a:endParaRPr lang="ru-RU"/>
           </a:p>
@@ -1403,7 +1408,7 @@
           <a:p>
             <a:fld id="{34CB72BC-4569-466F-8538-89D284BAEC86}" type="datetimeFigureOut">
               <a:rPr lang="ru-RU" smtClean="0"/>
-              <a:t>22.02.2024</a:t>
+              <a:t>23.02.2024</a:t>
             </a:fld>
             <a:endParaRPr lang="ru-RU"/>
           </a:p>
@@ -1815,7 +1820,7 @@
           <a:p>
             <a:fld id="{34CB72BC-4569-466F-8538-89D284BAEC86}" type="datetimeFigureOut">
               <a:rPr lang="ru-RU" smtClean="0"/>
-              <a:t>22.02.2024</a:t>
+              <a:t>23.02.2024</a:t>
             </a:fld>
             <a:endParaRPr lang="ru-RU"/>
           </a:p>
@@ -1956,7 +1961,7 @@
           <a:p>
             <a:fld id="{34CB72BC-4569-466F-8538-89D284BAEC86}" type="datetimeFigureOut">
               <a:rPr lang="ru-RU" smtClean="0"/>
-              <a:t>22.02.2024</a:t>
+              <a:t>23.02.2024</a:t>
             </a:fld>
             <a:endParaRPr lang="ru-RU"/>
           </a:p>
@@ -2069,7 +2074,7 @@
           <a:p>
             <a:fld id="{34CB72BC-4569-466F-8538-89D284BAEC86}" type="datetimeFigureOut">
               <a:rPr lang="ru-RU" smtClean="0"/>
-              <a:t>22.02.2024</a:t>
+              <a:t>23.02.2024</a:t>
             </a:fld>
             <a:endParaRPr lang="ru-RU"/>
           </a:p>
@@ -2380,7 +2385,7 @@
           <a:p>
             <a:fld id="{34CB72BC-4569-466F-8538-89D284BAEC86}" type="datetimeFigureOut">
               <a:rPr lang="ru-RU" smtClean="0"/>
-              <a:t>22.02.2024</a:t>
+              <a:t>23.02.2024</a:t>
             </a:fld>
             <a:endParaRPr lang="ru-RU"/>
           </a:p>
@@ -2668,7 +2673,7 @@
           <a:p>
             <a:fld id="{34CB72BC-4569-466F-8538-89D284BAEC86}" type="datetimeFigureOut">
               <a:rPr lang="ru-RU" smtClean="0"/>
-              <a:t>22.02.2024</a:t>
+              <a:t>23.02.2024</a:t>
             </a:fld>
             <a:endParaRPr lang="ru-RU"/>
           </a:p>
@@ -2909,7 +2914,7 @@
           <a:p>
             <a:fld id="{34CB72BC-4569-466F-8538-89D284BAEC86}" type="datetimeFigureOut">
               <a:rPr lang="ru-RU" smtClean="0"/>
-              <a:t>22.02.2024</a:t>
+              <a:t>23.02.2024</a:t>
             </a:fld>
             <a:endParaRPr lang="ru-RU"/>
           </a:p>
@@ -4428,7 +4433,7 @@
             </a:pPr>
             <a:r>
               <a:rPr lang="ru-RU" dirty="0"/>
-              <a:t> Играет ли самоподобие существенную роль в объяснении хаотических явлений?</a:t>
+              <a:t>Играет ли самоподобие существенную роль в объяснении хаотических явлений?</a:t>
             </a:r>
           </a:p>
           <a:p>
